--- a/programmer/programme/coupling/量子开关/gmon/g的波动对门保真度的影响.pptx
+++ b/programmer/programme/coupling/量子开关/gmon/g的波动对门保真度的影响.pptx
@@ -292,7 +292,7 @@
           <a:p>
             <a:fld id="{530820CF-B880-4189-942D-D702A7CBA730}" type="datetimeFigureOut">
               <a:rPr lang="zh-CN" altLang="en-US" smtClean="0"/>
-              <a:t>2018/3/19</a:t>
+              <a:t>2018/7/16</a:t>
             </a:fld>
             <a:endParaRPr lang="zh-CN" altLang="en-US"/>
           </a:p>
@@ -457,7 +457,7 @@
           <a:p>
             <a:fld id="{530820CF-B880-4189-942D-D702A7CBA730}" type="datetimeFigureOut">
               <a:rPr lang="zh-CN" altLang="en-US" smtClean="0"/>
-              <a:t>2018/3/19</a:t>
+              <a:t>2018/7/16</a:t>
             </a:fld>
             <a:endParaRPr lang="zh-CN" altLang="en-US"/>
           </a:p>
@@ -632,7 +632,7 @@
           <a:p>
             <a:fld id="{530820CF-B880-4189-942D-D702A7CBA730}" type="datetimeFigureOut">
               <a:rPr lang="zh-CN" altLang="en-US" smtClean="0"/>
-              <a:t>2018/3/19</a:t>
+              <a:t>2018/7/16</a:t>
             </a:fld>
             <a:endParaRPr lang="zh-CN" altLang="en-US"/>
           </a:p>
@@ -797,7 +797,7 @@
           <a:p>
             <a:fld id="{530820CF-B880-4189-942D-D702A7CBA730}" type="datetimeFigureOut">
               <a:rPr lang="zh-CN" altLang="en-US" smtClean="0"/>
-              <a:t>2018/3/19</a:t>
+              <a:t>2018/7/16</a:t>
             </a:fld>
             <a:endParaRPr lang="zh-CN" altLang="en-US"/>
           </a:p>
@@ -1038,7 +1038,7 @@
           <a:p>
             <a:fld id="{530820CF-B880-4189-942D-D702A7CBA730}" type="datetimeFigureOut">
               <a:rPr lang="zh-CN" altLang="en-US" smtClean="0"/>
-              <a:t>2018/3/19</a:t>
+              <a:t>2018/7/16</a:t>
             </a:fld>
             <a:endParaRPr lang="zh-CN" altLang="en-US"/>
           </a:p>
@@ -1321,7 +1321,7 @@
           <a:p>
             <a:fld id="{530820CF-B880-4189-942D-D702A7CBA730}" type="datetimeFigureOut">
               <a:rPr lang="zh-CN" altLang="en-US" smtClean="0"/>
-              <a:t>2018/3/19</a:t>
+              <a:t>2018/7/16</a:t>
             </a:fld>
             <a:endParaRPr lang="zh-CN" altLang="en-US"/>
           </a:p>
@@ -1738,7 +1738,7 @@
           <a:p>
             <a:fld id="{530820CF-B880-4189-942D-D702A7CBA730}" type="datetimeFigureOut">
               <a:rPr lang="zh-CN" altLang="en-US" smtClean="0"/>
-              <a:t>2018/3/19</a:t>
+              <a:t>2018/7/16</a:t>
             </a:fld>
             <a:endParaRPr lang="zh-CN" altLang="en-US"/>
           </a:p>
@@ -1851,7 +1851,7 @@
           <a:p>
             <a:fld id="{530820CF-B880-4189-942D-D702A7CBA730}" type="datetimeFigureOut">
               <a:rPr lang="zh-CN" altLang="en-US" smtClean="0"/>
-              <a:t>2018/3/19</a:t>
+              <a:t>2018/7/16</a:t>
             </a:fld>
             <a:endParaRPr lang="zh-CN" altLang="en-US"/>
           </a:p>
@@ -1941,7 +1941,7 @@
           <a:p>
             <a:fld id="{530820CF-B880-4189-942D-D702A7CBA730}" type="datetimeFigureOut">
               <a:rPr lang="zh-CN" altLang="en-US" smtClean="0"/>
-              <a:t>2018/3/19</a:t>
+              <a:t>2018/7/16</a:t>
             </a:fld>
             <a:endParaRPr lang="zh-CN" altLang="en-US"/>
           </a:p>
@@ -2213,7 +2213,7 @@
           <a:p>
             <a:fld id="{530820CF-B880-4189-942D-D702A7CBA730}" type="datetimeFigureOut">
               <a:rPr lang="zh-CN" altLang="en-US" smtClean="0"/>
-              <a:t>2018/3/19</a:t>
+              <a:t>2018/7/16</a:t>
             </a:fld>
             <a:endParaRPr lang="zh-CN" altLang="en-US"/>
           </a:p>
@@ -2461,7 +2461,7 @@
           <a:p>
             <a:fld id="{530820CF-B880-4189-942D-D702A7CBA730}" type="datetimeFigureOut">
               <a:rPr lang="zh-CN" altLang="en-US" smtClean="0"/>
-              <a:t>2018/3/19</a:t>
+              <a:t>2018/7/16</a:t>
             </a:fld>
             <a:endParaRPr lang="zh-CN" altLang="en-US"/>
           </a:p>
@@ -2669,7 +2669,7 @@
           <a:p>
             <a:fld id="{530820CF-B880-4189-942D-D702A7CBA730}" type="datetimeFigureOut">
               <a:rPr lang="zh-CN" altLang="en-US" smtClean="0"/>
-              <a:t>2018/3/19</a:t>
+              <a:t>2018/7/16</a:t>
             </a:fld>
             <a:endParaRPr lang="zh-CN" altLang="en-US"/>
           </a:p>
